--- a/Powerpoint_slides/Presentation - Draft.pptx
+++ b/Powerpoint_slides/Presentation - Draft.pptx
@@ -8367,31 +8367,41 @@
           </a:p>
         </p:txBody>
       </p:sp>
-      <p:sp>
-        <p:nvSpPr>
-          <p:cNvPr id="3" name="Content Placeholder 2">
+      <p:pic>
+        <p:nvPicPr>
+          <p:cNvPr id="5" name="Content Placeholder 4" descr="Map&#10;&#10;Description automatically generated">
             <a:extLst>
               <a:ext uri="{FF2B5EF4-FFF2-40B4-BE49-F238E27FC236}">
-                <a16:creationId xmlns:a16="http://schemas.microsoft.com/office/drawing/2014/main" id="{E91A880A-E54F-4D4E-88DC-889CC5FCBC2A}"/>
+                <a16:creationId xmlns:a16="http://schemas.microsoft.com/office/drawing/2014/main" id="{FCA49AB1-48AC-4D25-8EF9-7A747C2DC8A7}"/>
               </a:ext>
             </a:extLst>
           </p:cNvPr>
-          <p:cNvSpPr>
-            <a:spLocks noGrp="1"/>
-          </p:cNvSpPr>
+          <p:cNvPicPr>
+            <a:picLocks noGrp="1" noChangeAspect="1"/>
+          </p:cNvPicPr>
           <p:nvPr>
             <p:ph idx="1"/>
           </p:nvPr>
-        </p:nvSpPr>
-        <p:spPr/>
-        <p:txBody>
-          <a:bodyPr/>
-          <a:lstStyle/>
-          <a:p>
-            <a:endParaRPr lang="en-US" dirty="0"/>
-          </a:p>
-        </p:txBody>
-      </p:sp>
+        </p:nvPicPr>
+        <p:blipFill>
+          <a:blip r:embed="rId3">
+            <a:extLst>
+              <a:ext uri="{28A0092B-C50C-407E-A947-70E740481C1C}">
+                <a14:useLocalDpi xmlns:a14="http://schemas.microsoft.com/office/drawing/2010/main" val="0"/>
+              </a:ext>
+            </a:extLst>
+          </a:blip>
+          <a:stretch>
+            <a:fillRect/>
+          </a:stretch>
+        </p:blipFill>
+        <p:spPr>
+          <a:xfrm>
+            <a:off x="2550164" y="1693889"/>
+            <a:ext cx="7868000" cy="4616970"/>
+          </a:xfrm>
+        </p:spPr>
+      </p:pic>
     </p:spTree>
     <p:extLst>
       <p:ext uri="{BB962C8B-B14F-4D97-AF65-F5344CB8AC3E}">
@@ -9254,27 +9264,6 @@
 </file>
 
 <file path=customXml/item1.xml><?xml version="1.0" encoding="utf-8"?>
-<p:properties xmlns:p="http://schemas.microsoft.com/office/2006/metadata/properties" xmlns:xsi="http://www.w3.org/2001/XMLSchema-instance" xmlns:pc="http://schemas.microsoft.com/office/infopath/2007/PartnerControls">
-  <documentManagement/>
-</p:properties>
-</file>
-
-<file path=customXml/item2.xml><?xml version="1.0" encoding="utf-8"?>
-<?mso-contentType ?>
-<FormTemplates xmlns="http://schemas.microsoft.com/sharepoint/v3/contenttype/forms">
-  <Display>DocumentLibraryForm</Display>
-  <Edit>DocumentLibraryForm</Edit>
-  <New>DocumentLibraryForm</New>
-</FormTemplates>
-</file>
-
-<file path=customXml/item3.xml><?xml version="1.0" encoding="utf-8"?>
-<sisl xmlns:xsi="http://www.w3.org/2001/XMLSchema-instance" xmlns:xsd="http://www.w3.org/2001/XMLSchema" xmlns="http://www.boldonjames.com/2008/01/sie/internal/label" sislVersion="0" policy="a10f9ac0-5937-4b4f-b459-96aedd9ed2c5" origin="userSelected">
-  <element uid="9920fcc9-9f43-4d43-9e3e-b98a219cfd55" value=""/>
-</sisl>
-</file>
-
-<file path=customXml/item4.xml><?xml version="1.0" encoding="utf-8"?>
 <ct:contentTypeSchema xmlns:ct="http://schemas.microsoft.com/office/2006/metadata/contentType" xmlns:ma="http://schemas.microsoft.com/office/2006/metadata/properties/metaAttributes" ct:_="" ma:_="" ma:contentTypeName="Document" ma:contentTypeID="0x010100FADED8A672A82243A6D49C82132DBCA2" ma:contentTypeVersion="12" ma:contentTypeDescription="Create a new document." ma:contentTypeScope="" ma:versionID="9f95180ce85e3c59ebddd99a7f8000b3">
   <xsd:schema xmlns:xsd="http://www.w3.org/2001/XMLSchema" xmlns:xs="http://www.w3.org/2001/XMLSchema" xmlns:p="http://schemas.microsoft.com/office/2006/metadata/properties" xmlns:ns3="a41b5018-4c27-4f71-a609-fd3f9f1a1156" xmlns:ns4="025f3fe7-6ac1-4a37-8605-cb5cbca61bae" targetNamespace="http://schemas.microsoft.com/office/2006/metadata/properties" ma:root="true" ma:fieldsID="fa4ed3d701fb8f8990115bfbf29fa0d2" ns3:_="" ns4:_="">
     <xsd:import namespace="a41b5018-4c27-4f71-a609-fd3f9f1a1156"/>
@@ -9491,33 +9480,28 @@
 </ct:contentTypeSchema>
 </file>
 
-<file path=customXml/itemProps1.xml><?xml version="1.0" encoding="utf-8"?>
-<ds:datastoreItem xmlns:ds="http://schemas.openxmlformats.org/officeDocument/2006/customXml" ds:itemID="{3542AC9A-4E0E-4234-BC20-2ED15B07531C}">
-  <ds:schemaRefs>
-    <ds:schemaRef ds:uri="http://schemas.microsoft.com/office/2006/metadata/properties"/>
-    <ds:schemaRef ds:uri="http://schemas.microsoft.com/office/infopath/2007/PartnerControls"/>
-  </ds:schemaRefs>
-</ds:datastoreItem>
+<file path=customXml/item2.xml><?xml version="1.0" encoding="utf-8"?>
+<sisl xmlns:xsi="http://www.w3.org/2001/XMLSchema-instance" xmlns:xsd="http://www.w3.org/2001/XMLSchema" xmlns="http://www.boldonjames.com/2008/01/sie/internal/label" sislVersion="0" policy="a10f9ac0-5937-4b4f-b459-96aedd9ed2c5" origin="userSelected">
+  <element uid="9920fcc9-9f43-4d43-9e3e-b98a219cfd55" value=""/>
+</sisl>
 </file>
 
-<file path=customXml/itemProps2.xml><?xml version="1.0" encoding="utf-8"?>
-<ds:datastoreItem xmlns:ds="http://schemas.openxmlformats.org/officeDocument/2006/customXml" ds:itemID="{C96CD762-D720-4095-8537-F22A7E7BB740}">
-  <ds:schemaRefs>
-    <ds:schemaRef ds:uri="http://schemas.microsoft.com/sharepoint/v3/contenttype/forms"/>
-  </ds:schemaRefs>
-</ds:datastoreItem>
+<file path=customXml/item3.xml><?xml version="1.0" encoding="utf-8"?>
+<?mso-contentType ?>
+<FormTemplates xmlns="http://schemas.microsoft.com/sharepoint/v3/contenttype/forms">
+  <Display>DocumentLibraryForm</Display>
+  <Edit>DocumentLibraryForm</Edit>
+  <New>DocumentLibraryForm</New>
+</FormTemplates>
 </file>
 
-<file path=customXml/itemProps3.xml><?xml version="1.0" encoding="utf-8"?>
-<ds:datastoreItem xmlns:ds="http://schemas.openxmlformats.org/officeDocument/2006/customXml" ds:itemID="{A80E907E-1C62-4800-A138-94D6F7CBCAF2}">
-  <ds:schemaRefs>
-    <ds:schemaRef ds:uri="http://www.w3.org/2001/XMLSchema"/>
-    <ds:schemaRef ds:uri="http://www.boldonjames.com/2008/01/sie/internal/label"/>
-  </ds:schemaRefs>
-</ds:datastoreItem>
+<file path=customXml/item4.xml><?xml version="1.0" encoding="utf-8"?>
+<p:properties xmlns:p="http://schemas.microsoft.com/office/2006/metadata/properties" xmlns:xsi="http://www.w3.org/2001/XMLSchema-instance" xmlns:pc="http://schemas.microsoft.com/office/infopath/2007/PartnerControls">
+  <documentManagement/>
+</p:properties>
 </file>
 
-<file path=customXml/itemProps4.xml><?xml version="1.0" encoding="utf-8"?>
+<file path=customXml/itemProps1.xml><?xml version="1.0" encoding="utf-8"?>
 <ds:datastoreItem xmlns:ds="http://schemas.openxmlformats.org/officeDocument/2006/customXml" ds:itemID="{147FC470-1725-4179-A8DE-CE169CDDB1E1}">
   <ds:schemaRefs>
     <ds:schemaRef ds:uri="http://schemas.microsoft.com/office/2006/metadata/contentType"/>
@@ -9534,4 +9518,30 @@
     <ds:schemaRef ds:uri="http://schemas.microsoft.com/internal/obd"/>
   </ds:schemaRefs>
 </ds:datastoreItem>
+</file>
+
+<file path=customXml/itemProps2.xml><?xml version="1.0" encoding="utf-8"?>
+<ds:datastoreItem xmlns:ds="http://schemas.openxmlformats.org/officeDocument/2006/customXml" ds:itemID="{A80E907E-1C62-4800-A138-94D6F7CBCAF2}">
+  <ds:schemaRefs>
+    <ds:schemaRef ds:uri="http://www.w3.org/2001/XMLSchema"/>
+    <ds:schemaRef ds:uri="http://www.boldonjames.com/2008/01/sie/internal/label"/>
+  </ds:schemaRefs>
+</ds:datastoreItem>
+</file>
+
+<file path=customXml/itemProps3.xml><?xml version="1.0" encoding="utf-8"?>
+<ds:datastoreItem xmlns:ds="http://schemas.openxmlformats.org/officeDocument/2006/customXml" ds:itemID="{C96CD762-D720-4095-8537-F22A7E7BB740}">
+  <ds:schemaRefs>
+    <ds:schemaRef ds:uri="http://schemas.microsoft.com/sharepoint/v3/contenttype/forms"/>
+  </ds:schemaRefs>
+</ds:datastoreItem>
+</file>
+
+<file path=customXml/itemProps4.xml><?xml version="1.0" encoding="utf-8"?>
+<ds:datastoreItem xmlns:ds="http://schemas.openxmlformats.org/officeDocument/2006/customXml" ds:itemID="{3542AC9A-4E0E-4234-BC20-2ED15B07531C}">
+  <ds:schemaRefs>
+    <ds:schemaRef ds:uri="http://schemas.microsoft.com/office/2006/metadata/properties"/>
+    <ds:schemaRef ds:uri="http://schemas.microsoft.com/office/infopath/2007/PartnerControls"/>
+  </ds:schemaRefs>
+</ds:datastoreItem>
 </file>
--- a/Powerpoint_slides/Presentation - Draft.pptx
+++ b/Powerpoint_slides/Presentation - Draft.pptx
@@ -219,7 +219,7 @@
           <a:p>
             <a:fld id="{AE4C1A3F-B952-4967-B301-EAE752D5FA42}" type="datetimeFigureOut">
               <a:rPr lang="en-US" smtClean="0"/>
-              <a:t>10/25/2020</a:t>
+              <a:t>10/26/2020</a:t>
             </a:fld>
             <a:endParaRPr lang="en-US"/>
           </a:p>
@@ -396,7 +396,7 @@
           <a:p>
             <a:fld id="{F27692BA-7C31-4353-9858-873E7C6061CA}" type="datetimeFigureOut">
               <a:rPr lang="en-US" smtClean="0"/>
-              <a:t>10/25/2020</a:t>
+              <a:t>10/26/2020</a:t>
             </a:fld>
             <a:endParaRPr lang="en-US"/>
           </a:p>
@@ -1859,7 +1859,7 @@
           <a:p>
             <a:fld id="{224A1F7E-8E58-4606-AC74-A31A70C6B0A4}" type="datetimeFigureOut">
               <a:rPr lang="en-US" smtClean="0"/>
-              <a:t>10/25/2020</a:t>
+              <a:t>10/26/2020</a:t>
             </a:fld>
             <a:endParaRPr lang="en-US"/>
           </a:p>
@@ -2189,7 +2189,7 @@
           <a:p>
             <a:fld id="{224A1F7E-8E58-4606-AC74-A31A70C6B0A4}" type="datetimeFigureOut">
               <a:rPr lang="en-US" smtClean="0"/>
-              <a:t>10/25/2020</a:t>
+              <a:t>10/26/2020</a:t>
             </a:fld>
             <a:endParaRPr lang="en-US"/>
           </a:p>
@@ -2369,7 +2369,7 @@
           <a:p>
             <a:fld id="{224A1F7E-8E58-4606-AC74-A31A70C6B0A4}" type="datetimeFigureOut">
               <a:rPr lang="en-US" smtClean="0"/>
-              <a:t>10/25/2020</a:t>
+              <a:t>10/26/2020</a:t>
             </a:fld>
             <a:endParaRPr lang="en-US"/>
           </a:p>
@@ -2539,7 +2539,7 @@
           <a:p>
             <a:fld id="{224A1F7E-8E58-4606-AC74-A31A70C6B0A4}" type="datetimeFigureOut">
               <a:rPr lang="en-US" smtClean="0"/>
-              <a:t>10/25/2020</a:t>
+              <a:t>10/26/2020</a:t>
             </a:fld>
             <a:endParaRPr lang="en-US"/>
           </a:p>
@@ -2816,7 +2816,7 @@
           <a:p>
             <a:fld id="{224A1F7E-8E58-4606-AC74-A31A70C6B0A4}" type="datetimeFigureOut">
               <a:rPr lang="en-US" smtClean="0"/>
-              <a:t>10/25/2020</a:t>
+              <a:t>10/26/2020</a:t>
             </a:fld>
             <a:endParaRPr lang="en-US"/>
           </a:p>
@@ -3210,7 +3210,7 @@
           <a:p>
             <a:fld id="{224A1F7E-8E58-4606-AC74-A31A70C6B0A4}" type="datetimeFigureOut">
               <a:rPr lang="en-US" smtClean="0"/>
-              <a:t>10/25/2020</a:t>
+              <a:t>10/26/2020</a:t>
             </a:fld>
             <a:endParaRPr lang="en-US"/>
           </a:p>
@@ -3687,7 +3687,7 @@
           <a:p>
             <a:fld id="{224A1F7E-8E58-4606-AC74-A31A70C6B0A4}" type="datetimeFigureOut">
               <a:rPr lang="en-US" smtClean="0"/>
-              <a:t>10/25/2020</a:t>
+              <a:t>10/26/2020</a:t>
             </a:fld>
             <a:endParaRPr lang="en-US"/>
           </a:p>
@@ -3805,7 +3805,7 @@
           <a:p>
             <a:fld id="{224A1F7E-8E58-4606-AC74-A31A70C6B0A4}" type="datetimeFigureOut">
               <a:rPr lang="en-US" smtClean="0"/>
-              <a:t>10/25/2020</a:t>
+              <a:t>10/26/2020</a:t>
             </a:fld>
             <a:endParaRPr lang="en-US"/>
           </a:p>
@@ -3900,7 +3900,7 @@
           <a:p>
             <a:fld id="{224A1F7E-8E58-4606-AC74-A31A70C6B0A4}" type="datetimeFigureOut">
               <a:rPr lang="en-US" smtClean="0"/>
-              <a:t>10/25/2020</a:t>
+              <a:t>10/26/2020</a:t>
             </a:fld>
             <a:endParaRPr lang="en-US"/>
           </a:p>
@@ -4246,7 +4246,7 @@
           <a:p>
             <a:fld id="{224A1F7E-8E58-4606-AC74-A31A70C6B0A4}" type="datetimeFigureOut">
               <a:rPr lang="en-US" smtClean="0"/>
-              <a:t>10/25/2020</a:t>
+              <a:t>10/26/2020</a:t>
             </a:fld>
             <a:endParaRPr lang="en-US"/>
           </a:p>
@@ -4634,7 +4634,7 @@
           <a:p>
             <a:fld id="{224A1F7E-8E58-4606-AC74-A31A70C6B0A4}" type="datetimeFigureOut">
               <a:rPr lang="en-US" smtClean="0"/>
-              <a:t>10/25/2020</a:t>
+              <a:t>10/26/2020</a:t>
             </a:fld>
             <a:endParaRPr lang="en-US"/>
           </a:p>
@@ -4912,7 +4912,7 @@
           <a:p>
             <a:fld id="{224A1F7E-8E58-4606-AC74-A31A70C6B0A4}" type="datetimeFigureOut">
               <a:rPr lang="en-US" smtClean="0"/>
-              <a:t>10/25/2020</a:t>
+              <a:t>10/26/2020</a:t>
             </a:fld>
             <a:endParaRPr lang="en-US"/>
           </a:p>
@@ -5695,7 +5695,7 @@
         </p:spPr>
         <p:txBody>
           <a:bodyPr vert="horz" lIns="91440" tIns="45720" rIns="91440" bIns="45720" rtlCol="0" anchor="t">
-            <a:normAutofit fontScale="90000"/>
+            <a:normAutofit/>
           </a:bodyPr>
           <a:lstStyle/>
           <a:p>
@@ -5708,7 +5708,7 @@
               <a:rPr lang="en-US" sz="4400" dirty="0">
                 <a:latin typeface="Arial Narrow" panose="020B0606020202030204" pitchFamily="34" charset="0"/>
               </a:rPr>
-              <a:t>There are currently over 4000 known planets in the visible universe</a:t>
+              <a:t>The Search is On</a:t>
             </a:r>
             <a:br>
               <a:rPr lang="en-US" sz="4400" dirty="0">
@@ -5831,7 +5831,7 @@
         </p:nvSpPr>
         <p:spPr>
           <a:xfrm>
-            <a:off x="5180607" y="2452132"/>
+            <a:off x="4952007" y="1702623"/>
             <a:ext cx="6176776" cy="4288971"/>
           </a:xfrm>
         </p:spPr>
@@ -5840,6 +5840,33 @@
             <a:normAutofit/>
           </a:bodyPr>
           <a:lstStyle/>
+          <a:p>
+            <a:pPr marL="800100" lvl="1" indent="-342900">
+              <a:buFont typeface="Wingdings" panose="05000000000000000000" pitchFamily="2" charset="2"/>
+              <a:buChar char="§"/>
+            </a:pPr>
+            <a:r>
+              <a:rPr lang="en-US" sz="2800" dirty="0">
+                <a:latin typeface="Arial Narrow" panose="020B0606020202030204" pitchFamily="34" charset="0"/>
+              </a:rPr>
+              <a:t>Currently 4000+ known exoplanets in the visible universe</a:t>
+            </a:r>
+          </a:p>
+          <a:p>
+            <a:pPr marL="800100" lvl="1" indent="-342900">
+              <a:buFont typeface="Wingdings" panose="05000000000000000000" pitchFamily="2" charset="2"/>
+              <a:buChar char="§"/>
+            </a:pPr>
+            <a:r>
+              <a:rPr lang="en-US" sz="2800" dirty="0">
+                <a:latin typeface="Arial Narrow" panose="020B0606020202030204" pitchFamily="34" charset="0"/>
+              </a:rPr>
+              <a:t>200 Planets considered optimistically Habitable</a:t>
+            </a:r>
+            <a:endParaRPr lang="en-US" sz="2600" dirty="0">
+              <a:latin typeface="Arial Narrow" panose="020B0606020202030204" pitchFamily="34" charset="0"/>
+            </a:endParaRPr>
+          </a:p>
           <a:p>
             <a:pPr marL="800100" lvl="1" indent="-342900">
               <a:buFont typeface="Wingdings" panose="05000000000000000000" pitchFamily="2" charset="2"/>
@@ -6057,7 +6084,7 @@
                                 </p:cTn>
                               </p:par>
                               <p:par>
-                                <p:cTn id="13" presetID="2" presetClass="entr" presetSubtype="4" fill="hold" nodeType="withEffect">
+                                <p:cTn id="13" presetID="1" presetClass="entr" presetSubtype="0" fill="hold" grpId="0" nodeType="withEffect">
                                   <p:stCondLst>
                                     <p:cond delay="0"/>
                                   </p:stCondLst>
@@ -6065,6 +6092,68 @@
                                     <p:set>
                                       <p:cBhvr>
                                         <p:cTn id="14" dur="1" fill="hold">
+                                          <p:stCondLst>
+                                            <p:cond delay="9"/>
+                                          </p:stCondLst>
+                                        </p:cTn>
+                                        <p:tgtEl>
+                                          <p:spTgt spid="6">
+                                            <p:txEl>
+                                              <p:pRg st="4" end="4"/>
+                                            </p:txEl>
+                                          </p:spTgt>
+                                        </p:tgtEl>
+                                        <p:attrNameLst>
+                                          <p:attrName>style.visibility</p:attrName>
+                                        </p:attrNameLst>
+                                      </p:cBhvr>
+                                      <p:to>
+                                        <p:strVal val="visible"/>
+                                      </p:to>
+                                    </p:set>
+                                  </p:childTnLst>
+                                </p:cTn>
+                              </p:par>
+                              <p:par>
+                                <p:cTn id="15" presetID="1" presetClass="entr" presetSubtype="0" fill="hold" grpId="0" nodeType="withEffect">
+                                  <p:stCondLst>
+                                    <p:cond delay="0"/>
+                                  </p:stCondLst>
+                                  <p:childTnLst>
+                                    <p:set>
+                                      <p:cBhvr>
+                                        <p:cTn id="16" dur="1" fill="hold">
+                                          <p:stCondLst>
+                                            <p:cond delay="9"/>
+                                          </p:stCondLst>
+                                        </p:cTn>
+                                        <p:tgtEl>
+                                          <p:spTgt spid="6">
+                                            <p:txEl>
+                                              <p:pRg st="5" end="5"/>
+                                            </p:txEl>
+                                          </p:spTgt>
+                                        </p:tgtEl>
+                                        <p:attrNameLst>
+                                          <p:attrName>style.visibility</p:attrName>
+                                        </p:attrNameLst>
+                                      </p:cBhvr>
+                                      <p:to>
+                                        <p:strVal val="visible"/>
+                                      </p:to>
+                                    </p:set>
+                                  </p:childTnLst>
+                                </p:cTn>
+                              </p:par>
+                              <p:par>
+                                <p:cTn id="17" presetID="2" presetClass="entr" presetSubtype="4" fill="hold" nodeType="withEffect">
+                                  <p:stCondLst>
+                                    <p:cond delay="0"/>
+                                  </p:stCondLst>
+                                  <p:childTnLst>
+                                    <p:set>
+                                      <p:cBhvr>
+                                        <p:cTn id="18" dur="1" fill="hold">
                                           <p:stCondLst>
                                             <p:cond delay="0"/>
                                           </p:stCondLst>
@@ -6082,7 +6171,7 @@
                                     </p:set>
                                     <p:anim calcmode="lin" valueType="num">
                                       <p:cBhvr additive="base">
-                                        <p:cTn id="15" dur="500" fill="hold"/>
+                                        <p:cTn id="19" dur="500" fill="hold"/>
                                         <p:tgtEl>
                                           <p:spTgt spid="15"/>
                                         </p:tgtEl>
@@ -6105,7 +6194,7 @@
                                     </p:anim>
                                     <p:anim calcmode="lin" valueType="num">
                                       <p:cBhvr additive="base">
-                                        <p:cTn id="16" dur="500" fill="hold"/>
+                                        <p:cTn id="20" dur="500" fill="hold"/>
                                         <p:tgtEl>
                                           <p:spTgt spid="15"/>
                                         </p:tgtEl>
@@ -6254,7 +6343,7 @@
         </p:spPr>
         <p:txBody>
           <a:bodyPr vert="horz" lIns="91440" tIns="45720" rIns="91440" bIns="45720" rtlCol="0">
-            <a:normAutofit fontScale="92500" lnSpcReduction="10000"/>
+            <a:normAutofit lnSpcReduction="10000"/>
           </a:bodyPr>
           <a:lstStyle/>
           <a:p>
@@ -6266,7 +6355,7 @@
               <a:rPr lang="en-US" sz="2800" dirty="0">
                 <a:latin typeface="Arial Narrow" panose="020B0606020202030204" pitchFamily="34" charset="0"/>
               </a:rPr>
-              <a:t>Provide interactive graphs and plots visualizing information about these known exoplanets including:</a:t>
+              <a:t>Interactive graphs/plots visualizing info about known exoplanets including:</a:t>
             </a:r>
             <a:endParaRPr lang="en-US" sz="2400" dirty="0">
               <a:latin typeface="Arial Narrow" panose="020B0606020202030204" pitchFamily="34" charset="0"/>
@@ -6281,7 +6370,7 @@
               <a:rPr lang="en-US" sz="2400" dirty="0">
                 <a:latin typeface="Arial Narrow" panose="020B0606020202030204" pitchFamily="34" charset="0"/>
               </a:rPr>
-              <a:t>Which are optimistically habitable planets capable to host life</a:t>
+              <a:t>Optimistically habitable planets capable to host life</a:t>
             </a:r>
           </a:p>
           <a:p>
@@ -6305,7 +6394,7 @@
               <a:rPr lang="en-US" sz="2400" dirty="0">
                 <a:latin typeface="Arial Narrow" panose="020B0606020202030204" pitchFamily="34" charset="0"/>
               </a:rPr>
-              <a:t>Discovery Years and Methods</a:t>
+              <a:t>Planet Discovery Years and Methods</a:t>
             </a:r>
           </a:p>
           <a:p>
@@ -6317,7 +6406,7 @@
               <a:rPr lang="en-US" sz="2400" dirty="0">
                 <a:latin typeface="Arial Narrow" panose="020B0606020202030204" pitchFamily="34" charset="0"/>
               </a:rPr>
-              <a:t>Size, density, temperature, composition, solar system data, galactic locations and distance from earth.</a:t>
+              <a:t>Size, density, temperature, composition, solar system data, galactic locations and distance from earth</a:t>
             </a:r>
           </a:p>
           <a:p>
@@ -6329,7 +6418,7 @@
               <a:rPr lang="en-US" sz="2400" dirty="0">
                 <a:latin typeface="Arial Narrow" panose="020B0606020202030204" pitchFamily="34" charset="0"/>
               </a:rPr>
-              <a:t>Leaflet of Facilities across the US that discovered planets</a:t>
+              <a:t>Leaflet of Facilities across the world that discovered planets</a:t>
             </a:r>
             <a:endParaRPr lang="en-US" sz="2600" dirty="0">
               <a:latin typeface="Arial Narrow" panose="020B0606020202030204" pitchFamily="34" charset="0"/>
@@ -8355,14 +8444,19 @@
             <p:ph type="title"/>
           </p:nvPr>
         </p:nvSpPr>
-        <p:spPr/>
+        <p:spPr>
+          <a:xfrm>
+            <a:off x="1295400" y="207989"/>
+            <a:ext cx="9601200" cy="1485900"/>
+          </a:xfrm>
+        </p:spPr>
         <p:txBody>
           <a:bodyPr/>
           <a:lstStyle/>
           <a:p>
             <a:r>
               <a:rPr lang="en-US" dirty="0"/>
-              <a:t>Summary</a:t>
+              <a:t>Leaflet of Facilities that Discovered Planets</a:t>
             </a:r>
           </a:p>
         </p:txBody>
@@ -9264,6 +9358,27 @@
 </file>
 
 <file path=customXml/item1.xml><?xml version="1.0" encoding="utf-8"?>
+<p:properties xmlns:p="http://schemas.microsoft.com/office/2006/metadata/properties" xmlns:xsi="http://www.w3.org/2001/XMLSchema-instance" xmlns:pc="http://schemas.microsoft.com/office/infopath/2007/PartnerControls">
+  <documentManagement/>
+</p:properties>
+</file>
+
+<file path=customXml/item2.xml><?xml version="1.0" encoding="utf-8"?>
+<?mso-contentType ?>
+<FormTemplates xmlns="http://schemas.microsoft.com/sharepoint/v3/contenttype/forms">
+  <Display>DocumentLibraryForm</Display>
+  <Edit>DocumentLibraryForm</Edit>
+  <New>DocumentLibraryForm</New>
+</FormTemplates>
+</file>
+
+<file path=customXml/item3.xml><?xml version="1.0" encoding="utf-8"?>
+<sisl xmlns:xsi="http://www.w3.org/2001/XMLSchema-instance" xmlns:xsd="http://www.w3.org/2001/XMLSchema" xmlns="http://www.boldonjames.com/2008/01/sie/internal/label" sislVersion="0" policy="a10f9ac0-5937-4b4f-b459-96aedd9ed2c5" origin="userSelected">
+  <element uid="9920fcc9-9f43-4d43-9e3e-b98a219cfd55" value=""/>
+</sisl>
+</file>
+
+<file path=customXml/item4.xml><?xml version="1.0" encoding="utf-8"?>
 <ct:contentTypeSchema xmlns:ct="http://schemas.microsoft.com/office/2006/metadata/contentType" xmlns:ma="http://schemas.microsoft.com/office/2006/metadata/properties/metaAttributes" ct:_="" ma:_="" ma:contentTypeName="Document" ma:contentTypeID="0x010100FADED8A672A82243A6D49C82132DBCA2" ma:contentTypeVersion="12" ma:contentTypeDescription="Create a new document." ma:contentTypeScope="" ma:versionID="9f95180ce85e3c59ebddd99a7f8000b3">
   <xsd:schema xmlns:xsd="http://www.w3.org/2001/XMLSchema" xmlns:xs="http://www.w3.org/2001/XMLSchema" xmlns:p="http://schemas.microsoft.com/office/2006/metadata/properties" xmlns:ns3="a41b5018-4c27-4f71-a609-fd3f9f1a1156" xmlns:ns4="025f3fe7-6ac1-4a37-8605-cb5cbca61bae" targetNamespace="http://schemas.microsoft.com/office/2006/metadata/properties" ma:root="true" ma:fieldsID="fa4ed3d701fb8f8990115bfbf29fa0d2" ns3:_="" ns4:_="">
     <xsd:import namespace="a41b5018-4c27-4f71-a609-fd3f9f1a1156"/>
@@ -9480,28 +9595,33 @@
 </ct:contentTypeSchema>
 </file>
 
-<file path=customXml/item2.xml><?xml version="1.0" encoding="utf-8"?>
-<sisl xmlns:xsi="http://www.w3.org/2001/XMLSchema-instance" xmlns:xsd="http://www.w3.org/2001/XMLSchema" xmlns="http://www.boldonjames.com/2008/01/sie/internal/label" sislVersion="0" policy="a10f9ac0-5937-4b4f-b459-96aedd9ed2c5" origin="userSelected">
-  <element uid="9920fcc9-9f43-4d43-9e3e-b98a219cfd55" value=""/>
-</sisl>
+<file path=customXml/itemProps1.xml><?xml version="1.0" encoding="utf-8"?>
+<ds:datastoreItem xmlns:ds="http://schemas.openxmlformats.org/officeDocument/2006/customXml" ds:itemID="{3542AC9A-4E0E-4234-BC20-2ED15B07531C}">
+  <ds:schemaRefs>
+    <ds:schemaRef ds:uri="http://schemas.microsoft.com/office/2006/metadata/properties"/>
+    <ds:schemaRef ds:uri="http://schemas.microsoft.com/office/infopath/2007/PartnerControls"/>
+  </ds:schemaRefs>
+</ds:datastoreItem>
 </file>
 
-<file path=customXml/item3.xml><?xml version="1.0" encoding="utf-8"?>
-<?mso-contentType ?>
-<FormTemplates xmlns="http://schemas.microsoft.com/sharepoint/v3/contenttype/forms">
-  <Display>DocumentLibraryForm</Display>
-  <Edit>DocumentLibraryForm</Edit>
-  <New>DocumentLibraryForm</New>
-</FormTemplates>
+<file path=customXml/itemProps2.xml><?xml version="1.0" encoding="utf-8"?>
+<ds:datastoreItem xmlns:ds="http://schemas.openxmlformats.org/officeDocument/2006/customXml" ds:itemID="{C96CD762-D720-4095-8537-F22A7E7BB740}">
+  <ds:schemaRefs>
+    <ds:schemaRef ds:uri="http://schemas.microsoft.com/sharepoint/v3/contenttype/forms"/>
+  </ds:schemaRefs>
+</ds:datastoreItem>
 </file>
 
-<file path=customXml/item4.xml><?xml version="1.0" encoding="utf-8"?>
-<p:properties xmlns:p="http://schemas.microsoft.com/office/2006/metadata/properties" xmlns:xsi="http://www.w3.org/2001/XMLSchema-instance" xmlns:pc="http://schemas.microsoft.com/office/infopath/2007/PartnerControls">
-  <documentManagement/>
-</p:properties>
+<file path=customXml/itemProps3.xml><?xml version="1.0" encoding="utf-8"?>
+<ds:datastoreItem xmlns:ds="http://schemas.openxmlformats.org/officeDocument/2006/customXml" ds:itemID="{A80E907E-1C62-4800-A138-94D6F7CBCAF2}">
+  <ds:schemaRefs>
+    <ds:schemaRef ds:uri="http://www.w3.org/2001/XMLSchema"/>
+    <ds:schemaRef ds:uri="http://www.boldonjames.com/2008/01/sie/internal/label"/>
+  </ds:schemaRefs>
+</ds:datastoreItem>
 </file>
 
-<file path=customXml/itemProps1.xml><?xml version="1.0" encoding="utf-8"?>
+<file path=customXml/itemProps4.xml><?xml version="1.0" encoding="utf-8"?>
 <ds:datastoreItem xmlns:ds="http://schemas.openxmlformats.org/officeDocument/2006/customXml" ds:itemID="{147FC470-1725-4179-A8DE-CE169CDDB1E1}">
   <ds:schemaRefs>
     <ds:schemaRef ds:uri="http://schemas.microsoft.com/office/2006/metadata/contentType"/>
@@ -9518,30 +9638,4 @@
     <ds:schemaRef ds:uri="http://schemas.microsoft.com/internal/obd"/>
   </ds:schemaRefs>
 </ds:datastoreItem>
-</file>
-
-<file path=customXml/itemProps2.xml><?xml version="1.0" encoding="utf-8"?>
-<ds:datastoreItem xmlns:ds="http://schemas.openxmlformats.org/officeDocument/2006/customXml" ds:itemID="{A80E907E-1C62-4800-A138-94D6F7CBCAF2}">
-  <ds:schemaRefs>
-    <ds:schemaRef ds:uri="http://www.w3.org/2001/XMLSchema"/>
-    <ds:schemaRef ds:uri="http://www.boldonjames.com/2008/01/sie/internal/label"/>
-  </ds:schemaRefs>
-</ds:datastoreItem>
-</file>
-
-<file path=customXml/itemProps3.xml><?xml version="1.0" encoding="utf-8"?>
-<ds:datastoreItem xmlns:ds="http://schemas.openxmlformats.org/officeDocument/2006/customXml" ds:itemID="{C96CD762-D720-4095-8537-F22A7E7BB740}">
-  <ds:schemaRefs>
-    <ds:schemaRef ds:uri="http://schemas.microsoft.com/sharepoint/v3/contenttype/forms"/>
-  </ds:schemaRefs>
-</ds:datastoreItem>
-</file>
-
-<file path=customXml/itemProps4.xml><?xml version="1.0" encoding="utf-8"?>
-<ds:datastoreItem xmlns:ds="http://schemas.openxmlformats.org/officeDocument/2006/customXml" ds:itemID="{3542AC9A-4E0E-4234-BC20-2ED15B07531C}">
-  <ds:schemaRefs>
-    <ds:schemaRef ds:uri="http://schemas.microsoft.com/office/2006/metadata/properties"/>
-    <ds:schemaRef ds:uri="http://schemas.microsoft.com/office/infopath/2007/PartnerControls"/>
-  </ds:schemaRefs>
-</ds:datastoreItem>
 </file>